--- a/AC guide.pptx
+++ b/AC guide.pptx
@@ -205,7 +205,7 @@
           <a:p>
             <a:fld id="{2956BED3-3EFA-4729-B09D-F77F3326165F}" type="datetimeFigureOut">
               <a:rPr lang="en-US" smtClean="0"/>
-              <a:t>6/17/2019</a:t>
+              <a:t>6/19/2019</a:t>
             </a:fld>
             <a:endParaRPr lang="en-US"/>
           </a:p>
@@ -703,7 +703,7 @@
           <a:p>
             <a:fld id="{CD95BB5C-33B7-4D42-86F0-0CA68C60607A}" type="datetimeFigureOut">
               <a:rPr lang="en-US" smtClean="0"/>
-              <a:t>6/17/2019</a:t>
+              <a:t>6/19/2019</a:t>
             </a:fld>
             <a:endParaRPr lang="en-US"/>
           </a:p>
@@ -901,7 +901,7 @@
           <a:p>
             <a:fld id="{CD95BB5C-33B7-4D42-86F0-0CA68C60607A}" type="datetimeFigureOut">
               <a:rPr lang="en-US" smtClean="0"/>
-              <a:t>6/17/2019</a:t>
+              <a:t>6/19/2019</a:t>
             </a:fld>
             <a:endParaRPr lang="en-US"/>
           </a:p>
@@ -1109,7 +1109,7 @@
           <a:p>
             <a:fld id="{CD95BB5C-33B7-4D42-86F0-0CA68C60607A}" type="datetimeFigureOut">
               <a:rPr lang="en-US" smtClean="0"/>
-              <a:t>6/17/2019</a:t>
+              <a:t>6/19/2019</a:t>
             </a:fld>
             <a:endParaRPr lang="en-US"/>
           </a:p>
@@ -1307,7 +1307,7 @@
           <a:p>
             <a:fld id="{CD95BB5C-33B7-4D42-86F0-0CA68C60607A}" type="datetimeFigureOut">
               <a:rPr lang="en-US" smtClean="0"/>
-              <a:t>6/17/2019</a:t>
+              <a:t>6/19/2019</a:t>
             </a:fld>
             <a:endParaRPr lang="en-US"/>
           </a:p>
@@ -1582,7 +1582,7 @@
           <a:p>
             <a:fld id="{CD95BB5C-33B7-4D42-86F0-0CA68C60607A}" type="datetimeFigureOut">
               <a:rPr lang="en-US" smtClean="0"/>
-              <a:t>6/17/2019</a:t>
+              <a:t>6/19/2019</a:t>
             </a:fld>
             <a:endParaRPr lang="en-US"/>
           </a:p>
@@ -1847,7 +1847,7 @@
           <a:p>
             <a:fld id="{CD95BB5C-33B7-4D42-86F0-0CA68C60607A}" type="datetimeFigureOut">
               <a:rPr lang="en-US" smtClean="0"/>
-              <a:t>6/17/2019</a:t>
+              <a:t>6/19/2019</a:t>
             </a:fld>
             <a:endParaRPr lang="en-US"/>
           </a:p>
@@ -2259,7 +2259,7 @@
           <a:p>
             <a:fld id="{CD95BB5C-33B7-4D42-86F0-0CA68C60607A}" type="datetimeFigureOut">
               <a:rPr lang="en-US" smtClean="0"/>
-              <a:t>6/17/2019</a:t>
+              <a:t>6/19/2019</a:t>
             </a:fld>
             <a:endParaRPr lang="en-US"/>
           </a:p>
@@ -2400,7 +2400,7 @@
           <a:p>
             <a:fld id="{CD95BB5C-33B7-4D42-86F0-0CA68C60607A}" type="datetimeFigureOut">
               <a:rPr lang="en-US" smtClean="0"/>
-              <a:t>6/17/2019</a:t>
+              <a:t>6/19/2019</a:t>
             </a:fld>
             <a:endParaRPr lang="en-US"/>
           </a:p>
@@ -2513,7 +2513,7 @@
           <a:p>
             <a:fld id="{CD95BB5C-33B7-4D42-86F0-0CA68C60607A}" type="datetimeFigureOut">
               <a:rPr lang="en-US" smtClean="0"/>
-              <a:t>6/17/2019</a:t>
+              <a:t>6/19/2019</a:t>
             </a:fld>
             <a:endParaRPr lang="en-US"/>
           </a:p>
@@ -2824,7 +2824,7 @@
           <a:p>
             <a:fld id="{CD95BB5C-33B7-4D42-86F0-0CA68C60607A}" type="datetimeFigureOut">
               <a:rPr lang="en-US" smtClean="0"/>
-              <a:t>6/17/2019</a:t>
+              <a:t>6/19/2019</a:t>
             </a:fld>
             <a:endParaRPr lang="en-US"/>
           </a:p>
@@ -3112,7 +3112,7 @@
           <a:p>
             <a:fld id="{CD95BB5C-33B7-4D42-86F0-0CA68C60607A}" type="datetimeFigureOut">
               <a:rPr lang="en-US" smtClean="0"/>
-              <a:t>6/17/2019</a:t>
+              <a:t>6/19/2019</a:t>
             </a:fld>
             <a:endParaRPr lang="en-US"/>
           </a:p>
@@ -3353,7 +3353,7 @@
           <a:p>
             <a:fld id="{CD95BB5C-33B7-4D42-86F0-0CA68C60607A}" type="datetimeFigureOut">
               <a:rPr lang="en-US" smtClean="0"/>
-              <a:t>6/17/2019</a:t>
+              <a:t>6/19/2019</a:t>
             </a:fld>
             <a:endParaRPr lang="en-US"/>
           </a:p>
@@ -6885,14 +6885,14 @@
           <p:nvPr>
             <p:extLst>
               <p:ext uri="{D42A27DB-BD31-4B8C-83A1-F6EECF244321}">
-                <p14:modId xmlns:p14="http://schemas.microsoft.com/office/powerpoint/2010/main" val="3368417012"/>
+                <p14:modId xmlns:p14="http://schemas.microsoft.com/office/powerpoint/2010/main" val="3478146796"/>
               </p:ext>
             </p:extLst>
           </p:nvPr>
         </p:nvGraphicFramePr>
         <p:xfrm>
           <a:off x="120073" y="471917"/>
-          <a:ext cx="8128000" cy="2316480"/>
+          <a:ext cx="8127999" cy="2476556"/>
         </p:xfrm>
         <a:graphic>
           <a:graphicData uri="http://schemas.openxmlformats.org/drawingml/2006/table">
@@ -6901,36 +6901,29 @@
                 <a:tableStyleId>{5C22544A-7EE6-4342-B048-85BDC9FD1C3A}</a:tableStyleId>
               </a:tblPr>
               <a:tblGrid>
-                <a:gridCol w="2032000">
+                <a:gridCol w="2709333">
                   <a:extLst>
                     <a:ext uri="{9D8B030D-6E8A-4147-A177-3AD203B41FA5}">
                       <a16:colId xmlns:a16="http://schemas.microsoft.com/office/drawing/2014/main" val="1079786294"/>
                     </a:ext>
                   </a:extLst>
                 </a:gridCol>
-                <a:gridCol w="2032000">
+                <a:gridCol w="2709333">
                   <a:extLst>
                     <a:ext uri="{9D8B030D-6E8A-4147-A177-3AD203B41FA5}">
                       <a16:colId xmlns:a16="http://schemas.microsoft.com/office/drawing/2014/main" val="989488268"/>
                     </a:ext>
                   </a:extLst>
                 </a:gridCol>
-                <a:gridCol w="2032000">
+                <a:gridCol w="2709333">
                   <a:extLst>
                     <a:ext uri="{9D8B030D-6E8A-4147-A177-3AD203B41FA5}">
                       <a16:colId xmlns:a16="http://schemas.microsoft.com/office/drawing/2014/main" val="939276597"/>
                     </a:ext>
                   </a:extLst>
                 </a:gridCol>
-                <a:gridCol w="2032000">
-                  <a:extLst>
-                    <a:ext uri="{9D8B030D-6E8A-4147-A177-3AD203B41FA5}">
-                      <a16:colId xmlns:a16="http://schemas.microsoft.com/office/drawing/2014/main" val="1367844863"/>
-                    </a:ext>
-                  </a:extLst>
-                </a:gridCol>
               </a:tblGrid>
-              <a:tr h="0">
+              <a:tr h="390539">
                 <a:tc>
                   <a:txBody>
                     <a:bodyPr/>
@@ -6976,24 +6969,13 @@
                   </a:txBody>
                   <a:tcPr/>
                 </a:tc>
-                <a:tc>
-                  <a:txBody>
-                    <a:bodyPr/>
-                    <a:lstStyle/>
-                    <a:p>
-                      <a:pPr algn="ctr"/>
-                      <a:endParaRPr lang="en-US"/>
-                    </a:p>
-                  </a:txBody>
-                  <a:tcPr/>
-                </a:tc>
                 <a:extLst>
                   <a:ext uri="{0D108BD9-81ED-4DB2-BD59-A6C34878D82A}">
                     <a16:rowId xmlns:a16="http://schemas.microsoft.com/office/drawing/2014/main" val="3718068794"/>
                   </a:ext>
                 </a:extLst>
               </a:tr>
-              <a:tr h="0">
+              <a:tr h="390539">
                 <a:tc>
                   <a:txBody>
                     <a:bodyPr/>
@@ -7043,24 +7025,13 @@
                   </a:txBody>
                   <a:tcPr/>
                 </a:tc>
-                <a:tc>
-                  <a:txBody>
-                    <a:bodyPr/>
-                    <a:lstStyle/>
-                    <a:p>
-                      <a:pPr algn="ctr"/>
-                      <a:endParaRPr lang="en-US" sz="1400"/>
-                    </a:p>
-                  </a:txBody>
-                  <a:tcPr/>
-                </a:tc>
                 <a:extLst>
                   <a:ext uri="{0D108BD9-81ED-4DB2-BD59-A6C34878D82A}">
                     <a16:rowId xmlns:a16="http://schemas.microsoft.com/office/drawing/2014/main" val="1601084161"/>
                   </a:ext>
                 </a:extLst>
               </a:tr>
-              <a:tr h="207103">
+              <a:tr h="390539">
                 <a:tc>
                   <a:txBody>
                     <a:bodyPr/>
@@ -7069,7 +7040,7 @@
                       <a:pPr algn="ctr"/>
                       <a:r>
                         <a:rPr lang="en-US" altLang="zh-CN"/>
-                        <a:t>step</a:t>
+                        <a:t>status_code</a:t>
                       </a:r>
                       <a:endParaRPr lang="en-US"/>
                     </a:p>
@@ -7084,7 +7055,7 @@
                       <a:pPr algn="ctr"/>
                       <a:r>
                         <a:rPr lang="en-US" altLang="zh-CN"/>
-                        <a:t>Object</a:t>
+                        <a:t>Number</a:t>
                       </a:r>
                       <a:endParaRPr lang="en-US"/>
                     </a:p>
@@ -7096,138 +7067,7 @@
                     <a:bodyPr/>
                     <a:lstStyle/>
                     <a:p>
-                      <a:pPr marL="0" marR="0" lvl="0" indent="0" algn="l" defTabSz="914400" rtl="0" eaLnBrk="1" fontAlgn="auto" latinLnBrk="0" hangingPunct="1">
-                        <a:lnSpc>
-                          <a:spcPct val="100000"/>
-                        </a:lnSpc>
-                        <a:spcBef>
-                          <a:spcPts val="0"/>
-                        </a:spcBef>
-                        <a:spcAft>
-                          <a:spcPts val="0"/>
-                        </a:spcAft>
-                        <a:buClrTx/>
-                        <a:buSzTx/>
-                        <a:buFontTx/>
-                        <a:buNone/>
-                        <a:tabLst/>
-                        <a:defRPr/>
-                      </a:pPr>
-                      <a:r>
-                        <a:rPr lang="en-US" sz="1400"/>
-                        <a:t>{</a:t>
-                      </a:r>
-                    </a:p>
-                    <a:p>
-                      <a:pPr marL="0" marR="0" lvl="0" indent="0" algn="l" defTabSz="914400" rtl="0" eaLnBrk="1" fontAlgn="auto" latinLnBrk="0" hangingPunct="1">
-                        <a:lnSpc>
-                          <a:spcPct val="100000"/>
-                        </a:lnSpc>
-                        <a:spcBef>
-                          <a:spcPts val="0"/>
-                        </a:spcBef>
-                        <a:spcAft>
-                          <a:spcPts val="0"/>
-                        </a:spcAft>
-                        <a:buClrTx/>
-                        <a:buSzTx/>
-                        <a:buFontTx/>
-                        <a:buNone/>
-                        <a:tabLst/>
-                        <a:defRPr/>
-                      </a:pPr>
-                      <a:r>
-                        <a:rPr lang="en-US" sz="1400"/>
-                        <a:t>   step_Uid:string,</a:t>
-                      </a:r>
-                    </a:p>
-                    <a:p>
-                      <a:pPr marL="0" marR="0" lvl="0" indent="0" algn="l" defTabSz="914400" rtl="0" eaLnBrk="1" fontAlgn="auto" latinLnBrk="0" hangingPunct="1">
-                        <a:lnSpc>
-                          <a:spcPct val="100000"/>
-                        </a:lnSpc>
-                        <a:spcBef>
-                          <a:spcPts val="0"/>
-                        </a:spcBef>
-                        <a:spcAft>
-                          <a:spcPts val="0"/>
-                        </a:spcAft>
-                        <a:buClrTx/>
-                        <a:buSzTx/>
-                        <a:buFontTx/>
-                        <a:buNone/>
-                        <a:tabLst/>
-                        <a:defRPr/>
-                      </a:pPr>
-                      <a:r>
-                        <a:rPr lang="en-US" sz="1400"/>
-                        <a:t>   </a:t>
-                      </a:r>
-                      <a:r>
-                        <a:rPr lang="en-US" altLang="zh-CN" sz="1400"/>
-                        <a:t>verified:Number,</a:t>
-                      </a:r>
-                    </a:p>
-                    <a:p>
-                      <a:pPr marL="0" marR="0" lvl="0" indent="0" algn="l" defTabSz="914400" rtl="0" eaLnBrk="1" fontAlgn="auto" latinLnBrk="0" hangingPunct="1">
-                        <a:lnSpc>
-                          <a:spcPct val="100000"/>
-                        </a:lnSpc>
-                        <a:spcBef>
-                          <a:spcPts val="0"/>
-                        </a:spcBef>
-                        <a:spcAft>
-                          <a:spcPts val="0"/>
-                        </a:spcAft>
-                        <a:buClrTx/>
-                        <a:buSzTx/>
-                        <a:buFontTx/>
-                        <a:buNone/>
-                        <a:tabLst/>
-                        <a:defRPr/>
-                      </a:pPr>
-                      <a:r>
-                        <a:rPr lang="en-US" sz="1400"/>
-                        <a:t>   </a:t>
-                      </a:r>
-                      <a:r>
-                        <a:rPr lang="en-US" altLang="zh-CN" sz="1400"/>
-                        <a:t>attachments_Uid: string:entry_event_attachments._id</a:t>
-                      </a:r>
-                      <a:endParaRPr lang="en-US" sz="1400"/>
-                    </a:p>
-                    <a:p>
-                      <a:pPr marL="0" marR="0" lvl="0" indent="0" algn="l" defTabSz="914400" rtl="0" eaLnBrk="1" fontAlgn="auto" latinLnBrk="0" hangingPunct="1">
-                        <a:lnSpc>
-                          <a:spcPct val="100000"/>
-                        </a:lnSpc>
-                        <a:spcBef>
-                          <a:spcPts val="0"/>
-                        </a:spcBef>
-                        <a:spcAft>
-                          <a:spcPts val="0"/>
-                        </a:spcAft>
-                        <a:buClrTx/>
-                        <a:buSzTx/>
-                        <a:buFontTx/>
-                        <a:buNone/>
-                        <a:tabLst/>
-                        <a:defRPr/>
-                      </a:pPr>
-                      <a:r>
-                        <a:rPr lang="en-US" sz="1400"/>
-                        <a:t>}</a:t>
-                      </a:r>
-                    </a:p>
-                  </a:txBody>
-                  <a:tcPr/>
-                </a:tc>
-                <a:tc>
-                  <a:txBody>
-                    <a:bodyPr/>
-                    <a:lstStyle/>
-                    <a:p>
-                      <a:pPr marL="0" marR="0" lvl="0" indent="0" algn="l" defTabSz="914400" rtl="0" eaLnBrk="1" fontAlgn="auto" latinLnBrk="0" hangingPunct="1">
+                      <a:pPr marL="0" marR="0" lvl="0" indent="0" algn="ctr" defTabSz="914400" rtl="0" eaLnBrk="1" fontAlgn="auto" latinLnBrk="0" hangingPunct="1">
                         <a:lnSpc>
                           <a:spcPct val="100000"/>
                         </a:lnSpc>
@@ -7246,23 +7086,7 @@
                       </a:pPr>
                       <a:r>
                         <a:rPr lang="zh-CN" altLang="en-US" sz="1400"/>
-                        <a:t>之前是</a:t>
-                      </a:r>
-                      <a:r>
-                        <a:rPr lang="en-US" altLang="zh-CN" sz="1400"/>
-                        <a:t>[{}]</a:t>
-                      </a:r>
-                      <a:r>
-                        <a:rPr lang="zh-CN" altLang="en-US" sz="1400"/>
-                        <a:t>结构不方便统计和其他业务的过滤，不如一次查询出需要</a:t>
-                      </a:r>
-                      <a:r>
-                        <a:rPr lang="en-US" altLang="zh-CN" sz="1400"/>
-                        <a:t>verified=500</a:t>
-                      </a:r>
-                      <a:r>
-                        <a:rPr lang="zh-CN" altLang="en-US" sz="1400"/>
-                        <a:t>的数据</a:t>
+                        <a:t>状态码</a:t>
                       </a:r>
                       <a:endParaRPr lang="en-US" sz="1400"/>
                     </a:p>
@@ -7275,6 +7099,169 @@
                   </a:ext>
                 </a:extLst>
               </a:tr>
+              <a:tr h="390539">
+                <a:tc>
+                  <a:txBody>
+                    <a:bodyPr/>
+                    <a:lstStyle/>
+                    <a:p>
+                      <a:pPr algn="ctr"/>
+                      <a:r>
+                        <a:rPr lang="en-US" sz="1800"/>
+                        <a:t>step_Uid</a:t>
+                      </a:r>
+                      <a:endParaRPr lang="en-US"/>
+                    </a:p>
+                  </a:txBody>
+                  <a:tcPr/>
+                </a:tc>
+                <a:tc>
+                  <a:txBody>
+                    <a:bodyPr/>
+                    <a:lstStyle/>
+                    <a:p>
+                      <a:pPr algn="ctr"/>
+                      <a:r>
+                        <a:rPr lang="en-US"/>
+                        <a:t>String</a:t>
+                      </a:r>
+                    </a:p>
+                  </a:txBody>
+                  <a:tcPr/>
+                </a:tc>
+                <a:tc>
+                  <a:txBody>
+                    <a:bodyPr/>
+                    <a:lstStyle/>
+                    <a:p>
+                      <a:pPr marL="0" marR="0" lvl="0" indent="0" algn="ctr" defTabSz="914400" rtl="0" eaLnBrk="1" fontAlgn="auto" latinLnBrk="0" hangingPunct="1">
+                        <a:lnSpc>
+                          <a:spcPct val="100000"/>
+                        </a:lnSpc>
+                        <a:spcBef>
+                          <a:spcPts val="0"/>
+                        </a:spcBef>
+                        <a:spcAft>
+                          <a:spcPts val="0"/>
+                        </a:spcAft>
+                        <a:buClrTx/>
+                        <a:buSzTx/>
+                        <a:buFontTx/>
+                        <a:buNone/>
+                        <a:tabLst/>
+                        <a:defRPr/>
+                      </a:pPr>
+                      <a:r>
+                        <a:rPr lang="zh-CN" altLang="en-US" sz="1400"/>
+                        <a:t>步骤的</a:t>
+                      </a:r>
+                      <a:r>
+                        <a:rPr lang="en-US" altLang="zh-CN" sz="1400"/>
+                        <a:t>_id</a:t>
+                      </a:r>
+                      <a:endParaRPr lang="en-US" sz="1400"/>
+                    </a:p>
+                  </a:txBody>
+                  <a:tcPr/>
+                </a:tc>
+                <a:extLst>
+                  <a:ext uri="{0D108BD9-81ED-4DB2-BD59-A6C34878D82A}">
+                    <a16:rowId xmlns:a16="http://schemas.microsoft.com/office/drawing/2014/main" val="3377299530"/>
+                  </a:ext>
+                </a:extLst>
+              </a:tr>
+              <a:tr h="390539">
+                <a:tc>
+                  <a:txBody>
+                    <a:bodyPr/>
+                    <a:lstStyle/>
+                    <a:p>
+                      <a:pPr algn="ctr"/>
+                      <a:r>
+                        <a:rPr lang="en-US" altLang="zh-CN"/>
+                        <a:t>attachments_Uid</a:t>
+                      </a:r>
+                      <a:endParaRPr lang="en-US"/>
+                    </a:p>
+                  </a:txBody>
+                  <a:tcPr/>
+                </a:tc>
+                <a:tc>
+                  <a:txBody>
+                    <a:bodyPr/>
+                    <a:lstStyle/>
+                    <a:p>
+                      <a:pPr marL="0" marR="0" lvl="0" indent="0" algn="ctr" defTabSz="914400" rtl="0" eaLnBrk="1" fontAlgn="auto" latinLnBrk="0" hangingPunct="1">
+                        <a:lnSpc>
+                          <a:spcPct val="100000"/>
+                        </a:lnSpc>
+                        <a:spcBef>
+                          <a:spcPts val="0"/>
+                        </a:spcBef>
+                        <a:spcAft>
+                          <a:spcPts val="0"/>
+                        </a:spcAft>
+                        <a:buClrTx/>
+                        <a:buSzTx/>
+                        <a:buFontTx/>
+                        <a:buNone/>
+                        <a:tabLst/>
+                        <a:defRPr/>
+                      </a:pPr>
+                      <a:r>
+                        <a:rPr lang="en-US" altLang="zh-CN"/>
+                        <a:t>string:entry_event_attachments._id</a:t>
+                      </a:r>
+                      <a:endParaRPr lang="en-US"/>
+                    </a:p>
+                    <a:p>
+                      <a:pPr algn="ctr"/>
+                      <a:endParaRPr lang="en-US"/>
+                    </a:p>
+                  </a:txBody>
+                  <a:tcPr/>
+                </a:tc>
+                <a:tc>
+                  <a:txBody>
+                    <a:bodyPr/>
+                    <a:lstStyle/>
+                    <a:p>
+                      <a:pPr marL="0" marR="0" lvl="0" indent="0" algn="ctr" defTabSz="914400" rtl="0" eaLnBrk="1" fontAlgn="auto" latinLnBrk="0" hangingPunct="1">
+                        <a:lnSpc>
+                          <a:spcPct val="100000"/>
+                        </a:lnSpc>
+                        <a:spcBef>
+                          <a:spcPts val="0"/>
+                        </a:spcBef>
+                        <a:spcAft>
+                          <a:spcPts val="0"/>
+                        </a:spcAft>
+                        <a:buClrTx/>
+                        <a:buSzTx/>
+                        <a:buFontTx/>
+                        <a:buNone/>
+                        <a:tabLst/>
+                        <a:defRPr/>
+                      </a:pPr>
+                      <a:r>
+                        <a:rPr lang="zh-CN" altLang="en-US" sz="1400"/>
+                        <a:t>关键附件数据的</a:t>
+                      </a:r>
+                      <a:r>
+                        <a:rPr lang="en-US" altLang="zh-CN" sz="1400"/>
+                        <a:t>_id</a:t>
+                      </a:r>
+                      <a:endParaRPr lang="en-US" sz="1400"/>
+                    </a:p>
+                  </a:txBody>
+                  <a:tcPr/>
+                </a:tc>
+                <a:extLst>
+                  <a:ext uri="{0D108BD9-81ED-4DB2-BD59-A6C34878D82A}">
+                    <a16:rowId xmlns:a16="http://schemas.microsoft.com/office/drawing/2014/main" val="3891788629"/>
+                  </a:ext>
+                </a:extLst>
+              </a:tr>
             </a:tbl>
           </a:graphicData>
         </a:graphic>
@@ -7362,14 +7349,14 @@
           <p:nvPr>
             <p:extLst>
               <p:ext uri="{D42A27DB-BD31-4B8C-83A1-F6EECF244321}">
-                <p14:modId xmlns:p14="http://schemas.microsoft.com/office/powerpoint/2010/main" val="1911270623"/>
+                <p14:modId xmlns:p14="http://schemas.microsoft.com/office/powerpoint/2010/main" val="372777925"/>
               </p:ext>
             </p:extLst>
           </p:nvPr>
         </p:nvGraphicFramePr>
         <p:xfrm>
-          <a:off x="120073" y="3282759"/>
-          <a:ext cx="8127999" cy="1463040"/>
+          <a:off x="120073" y="3361422"/>
+          <a:ext cx="8127999" cy="2042160"/>
         </p:xfrm>
         <a:graphic>
           <a:graphicData uri="http://schemas.openxmlformats.org/drawingml/2006/table">
@@ -7586,8 +7573,8 @@
                     <a:p>
                       <a:pPr algn="ctr"/>
                       <a:r>
-                        <a:rPr lang="en-US" altLang="zh-CN" err="1"/>
-                        <a:t>file_url</a:t>
+                        <a:rPr lang="en-US" altLang="zh-CN"/>
+                        <a:t>files</a:t>
                       </a:r>
                       <a:endParaRPr lang="en-US"/>
                     </a:p>
@@ -7648,8 +7635,87 @@
                         <a:t>附件</a:t>
                       </a:r>
                       <a:r>
-                        <a:rPr lang="en-US" altLang="zh-CN" sz="1400" err="1"/>
-                        <a:t>url</a:t>
+                        <a:rPr lang="en-US" altLang="zh-CN" sz="1400"/>
+                        <a:t>url{</a:t>
+                      </a:r>
+                    </a:p>
+                    <a:p>
+                      <a:pPr marL="0" marR="0" lvl="0" indent="0" algn="ctr" defTabSz="914400" rtl="0" eaLnBrk="1" fontAlgn="auto" latinLnBrk="0" hangingPunct="1">
+                        <a:lnSpc>
+                          <a:spcPct val="100000"/>
+                        </a:lnSpc>
+                        <a:spcBef>
+                          <a:spcPts val="0"/>
+                        </a:spcBef>
+                        <a:spcAft>
+                          <a:spcPts val="0"/>
+                        </a:spcAft>
+                        <a:buClrTx/>
+                        <a:buSzTx/>
+                        <a:buFontTx/>
+                        <a:buNone/>
+                        <a:tabLst/>
+                        <a:defRPr/>
+                      </a:pPr>
+                      <a:r>
+                        <a:rPr lang="en-US" altLang="zh-CN" sz="1400"/>
+                        <a:t>src:</a:t>
+                      </a:r>
+                      <a:r>
+                        <a:rPr lang="zh-CN" altLang="en-US" sz="1400"/>
+                        <a:t>文件地址</a:t>
+                      </a:r>
+                      <a:endParaRPr lang="en-US" altLang="zh-CN" sz="1400"/>
+                    </a:p>
+                    <a:p>
+                      <a:pPr marL="0" marR="0" lvl="0" indent="0" algn="ctr" defTabSz="914400" rtl="0" eaLnBrk="1" fontAlgn="auto" latinLnBrk="0" hangingPunct="1">
+                        <a:lnSpc>
+                          <a:spcPct val="100000"/>
+                        </a:lnSpc>
+                        <a:spcBef>
+                          <a:spcPts val="0"/>
+                        </a:spcBef>
+                        <a:spcAft>
+                          <a:spcPts val="0"/>
+                        </a:spcAft>
+                        <a:buClrTx/>
+                        <a:buSzTx/>
+                        <a:buFontTx/>
+                        <a:buNone/>
+                        <a:tabLst/>
+                        <a:defRPr/>
+                      </a:pPr>
+                      <a:r>
+                        <a:rPr lang="en-US" altLang="zh-CN" sz="1400"/>
+                        <a:t>type:</a:t>
+                      </a:r>
+                      <a:r>
+                        <a:rPr lang="zh-CN" altLang="en-US" sz="1400"/>
+                        <a:t>文件后缀</a:t>
+                      </a:r>
+                      <a:endParaRPr lang="en-US" altLang="zh-CN" sz="1400"/>
+                    </a:p>
+                    <a:p>
+                      <a:pPr marL="0" marR="0" lvl="0" indent="0" algn="ctr" defTabSz="914400" rtl="0" eaLnBrk="1" fontAlgn="auto" latinLnBrk="0" hangingPunct="1">
+                        <a:lnSpc>
+                          <a:spcPct val="100000"/>
+                        </a:lnSpc>
+                        <a:spcBef>
+                          <a:spcPts val="0"/>
+                        </a:spcBef>
+                        <a:spcAft>
+                          <a:spcPts val="0"/>
+                        </a:spcAft>
+                        <a:buClrTx/>
+                        <a:buSzTx/>
+                        <a:buFontTx/>
+                        <a:buNone/>
+                        <a:tabLst/>
+                        <a:defRPr/>
+                      </a:pPr>
+                      <a:r>
+                        <a:rPr lang="en-US" altLang="zh-CN" sz="1400"/>
+                        <a:t>}</a:t>
                       </a:r>
                       <a:endParaRPr lang="en-US" sz="1400"/>
                     </a:p>
@@ -7680,7 +7746,7 @@
         </p:nvSpPr>
         <p:spPr>
           <a:xfrm>
-            <a:off x="120073" y="2862134"/>
+            <a:off x="120073" y="2940797"/>
             <a:ext cx="7006277" cy="369332"/>
           </a:xfrm>
           <a:prstGeom prst="rect">
@@ -7753,13 +7819,13 @@
           <p:nvPr>
             <p:extLst>
               <p:ext uri="{D42A27DB-BD31-4B8C-83A1-F6EECF244321}">
-                <p14:modId xmlns:p14="http://schemas.microsoft.com/office/powerpoint/2010/main" val="3796307842"/>
+                <p14:modId xmlns:p14="http://schemas.microsoft.com/office/powerpoint/2010/main" val="3321994985"/>
               </p:ext>
             </p:extLst>
           </p:nvPr>
         </p:nvGraphicFramePr>
         <p:xfrm>
-          <a:off x="120073" y="5265098"/>
+          <a:off x="120073" y="5668080"/>
           <a:ext cx="8127999" cy="1107440"/>
         </p:xfrm>
         <a:graphic>
@@ -8045,7 +8111,7 @@
         </p:nvSpPr>
         <p:spPr>
           <a:xfrm>
-            <a:off x="120073" y="4895766"/>
+            <a:off x="120073" y="5298748"/>
             <a:ext cx="6549678" cy="369332"/>
           </a:xfrm>
           <a:prstGeom prst="rect">

--- a/AC guide.pptx
+++ b/AC guide.pptx
@@ -205,7 +205,7 @@
           <a:p>
             <a:fld id="{2956BED3-3EFA-4729-B09D-F77F3326165F}" type="datetimeFigureOut">
               <a:rPr lang="en-US" smtClean="0"/>
-              <a:t>6/19/2019</a:t>
+              <a:t>6/24/2019</a:t>
             </a:fld>
             <a:endParaRPr lang="en-US"/>
           </a:p>
@@ -703,7 +703,7 @@
           <a:p>
             <a:fld id="{CD95BB5C-33B7-4D42-86F0-0CA68C60607A}" type="datetimeFigureOut">
               <a:rPr lang="en-US" smtClean="0"/>
-              <a:t>6/19/2019</a:t>
+              <a:t>6/24/2019</a:t>
             </a:fld>
             <a:endParaRPr lang="en-US"/>
           </a:p>
@@ -901,7 +901,7 @@
           <a:p>
             <a:fld id="{CD95BB5C-33B7-4D42-86F0-0CA68C60607A}" type="datetimeFigureOut">
               <a:rPr lang="en-US" smtClean="0"/>
-              <a:t>6/19/2019</a:t>
+              <a:t>6/24/2019</a:t>
             </a:fld>
             <a:endParaRPr lang="en-US"/>
           </a:p>
@@ -1109,7 +1109,7 @@
           <a:p>
             <a:fld id="{CD95BB5C-33B7-4D42-86F0-0CA68C60607A}" type="datetimeFigureOut">
               <a:rPr lang="en-US" smtClean="0"/>
-              <a:t>6/19/2019</a:t>
+              <a:t>6/24/2019</a:t>
             </a:fld>
             <a:endParaRPr lang="en-US"/>
           </a:p>
@@ -1307,7 +1307,7 @@
           <a:p>
             <a:fld id="{CD95BB5C-33B7-4D42-86F0-0CA68C60607A}" type="datetimeFigureOut">
               <a:rPr lang="en-US" smtClean="0"/>
-              <a:t>6/19/2019</a:t>
+              <a:t>6/24/2019</a:t>
             </a:fld>
             <a:endParaRPr lang="en-US"/>
           </a:p>
@@ -1582,7 +1582,7 @@
           <a:p>
             <a:fld id="{CD95BB5C-33B7-4D42-86F0-0CA68C60607A}" type="datetimeFigureOut">
               <a:rPr lang="en-US" smtClean="0"/>
-              <a:t>6/19/2019</a:t>
+              <a:t>6/24/2019</a:t>
             </a:fld>
             <a:endParaRPr lang="en-US"/>
           </a:p>
@@ -1847,7 +1847,7 @@
           <a:p>
             <a:fld id="{CD95BB5C-33B7-4D42-86F0-0CA68C60607A}" type="datetimeFigureOut">
               <a:rPr lang="en-US" smtClean="0"/>
-              <a:t>6/19/2019</a:t>
+              <a:t>6/24/2019</a:t>
             </a:fld>
             <a:endParaRPr lang="en-US"/>
           </a:p>
@@ -2259,7 +2259,7 @@
           <a:p>
             <a:fld id="{CD95BB5C-33B7-4D42-86F0-0CA68C60607A}" type="datetimeFigureOut">
               <a:rPr lang="en-US" smtClean="0"/>
-              <a:t>6/19/2019</a:t>
+              <a:t>6/24/2019</a:t>
             </a:fld>
             <a:endParaRPr lang="en-US"/>
           </a:p>
@@ -2400,7 +2400,7 @@
           <a:p>
             <a:fld id="{CD95BB5C-33B7-4D42-86F0-0CA68C60607A}" type="datetimeFigureOut">
               <a:rPr lang="en-US" smtClean="0"/>
-              <a:t>6/19/2019</a:t>
+              <a:t>6/24/2019</a:t>
             </a:fld>
             <a:endParaRPr lang="en-US"/>
           </a:p>
@@ -2513,7 +2513,7 @@
           <a:p>
             <a:fld id="{CD95BB5C-33B7-4D42-86F0-0CA68C60607A}" type="datetimeFigureOut">
               <a:rPr lang="en-US" smtClean="0"/>
-              <a:t>6/19/2019</a:t>
+              <a:t>6/24/2019</a:t>
             </a:fld>
             <a:endParaRPr lang="en-US"/>
           </a:p>
@@ -2824,7 +2824,7 @@
           <a:p>
             <a:fld id="{CD95BB5C-33B7-4D42-86F0-0CA68C60607A}" type="datetimeFigureOut">
               <a:rPr lang="en-US" smtClean="0"/>
-              <a:t>6/19/2019</a:t>
+              <a:t>6/24/2019</a:t>
             </a:fld>
             <a:endParaRPr lang="en-US"/>
           </a:p>
@@ -3112,7 +3112,7 @@
           <a:p>
             <a:fld id="{CD95BB5C-33B7-4D42-86F0-0CA68C60607A}" type="datetimeFigureOut">
               <a:rPr lang="en-US" smtClean="0"/>
-              <a:t>6/19/2019</a:t>
+              <a:t>6/24/2019</a:t>
             </a:fld>
             <a:endParaRPr lang="en-US"/>
           </a:p>
@@ -3353,7 +3353,7 @@
           <a:p>
             <a:fld id="{CD95BB5C-33B7-4D42-86F0-0CA68C60607A}" type="datetimeFigureOut">
               <a:rPr lang="en-US" smtClean="0"/>
-              <a:t>6/19/2019</a:t>
+              <a:t>6/24/2019</a:t>
             </a:fld>
             <a:endParaRPr lang="en-US"/>
           </a:p>
@@ -3962,7 +3962,7 @@
           <p:nvPr>
             <p:extLst>
               <p:ext uri="{D42A27DB-BD31-4B8C-83A1-F6EECF244321}">
-                <p14:modId xmlns:p14="http://schemas.microsoft.com/office/powerpoint/2010/main" val="2169321408"/>
+                <p14:modId xmlns:p14="http://schemas.microsoft.com/office/powerpoint/2010/main" val="3414878566"/>
               </p:ext>
             </p:extLst>
           </p:nvPr>
@@ -4184,7 +4184,7 @@
                       </a:pPr>
                       <a:r>
                         <a:rPr lang="zh-CN" altLang="en-US"/>
-                        <a:t>查看所有能参与的时间</a:t>
+                        <a:t>查看所有能参与的事件</a:t>
                       </a:r>
                       <a:endParaRPr lang="en-US" altLang="zh-CN"/>
                     </a:p>
@@ -4235,7 +4235,7 @@
                       </a:pPr>
                       <a:r>
                         <a:rPr lang="zh-CN" altLang="en-US"/>
-                        <a:t>查看所有能参与的时间</a:t>
+                        <a:t>查看所有能参与的事件</a:t>
                       </a:r>
                       <a:endParaRPr lang="en-US" altLang="zh-CN"/>
                     </a:p>
@@ -4380,14 +4380,14 @@
           <p:nvPr>
             <p:extLst>
               <p:ext uri="{D42A27DB-BD31-4B8C-83A1-F6EECF244321}">
-                <p14:modId xmlns:p14="http://schemas.microsoft.com/office/powerpoint/2010/main" val="3141144184"/>
+                <p14:modId xmlns:p14="http://schemas.microsoft.com/office/powerpoint/2010/main" val="2635457675"/>
               </p:ext>
             </p:extLst>
           </p:nvPr>
         </p:nvGraphicFramePr>
         <p:xfrm>
           <a:off x="277091" y="369332"/>
-          <a:ext cx="8127999" cy="1112520"/>
+          <a:ext cx="8127999" cy="1854200"/>
         </p:xfrm>
         <a:graphic>
           <a:graphicData uri="http://schemas.openxmlformats.org/drawingml/2006/table">
@@ -4537,7 +4537,7 @@
                       <a:pPr algn="ctr"/>
                       <a:r>
                         <a:rPr lang="en-US" altLang="zh-CN"/>
-                        <a:t>user</a:t>
+                        <a:t>users</a:t>
                       </a:r>
                       <a:endParaRPr lang="en-US"/>
                     </a:p>
@@ -4603,6 +4603,108 @@
                   </a:ext>
                 </a:extLst>
               </a:tr>
+              <a:tr h="370840">
+                <a:tc>
+                  <a:txBody>
+                    <a:bodyPr/>
+                    <a:lstStyle/>
+                    <a:p>
+                      <a:pPr algn="ctr"/>
+                      <a:r>
+                        <a:rPr lang="en-US"/>
+                        <a:t>user</a:t>
+                      </a:r>
+                    </a:p>
+                  </a:txBody>
+                  <a:tcPr/>
+                </a:tc>
+                <a:tc>
+                  <a:txBody>
+                    <a:bodyPr/>
+                    <a:lstStyle/>
+                    <a:p>
+                      <a:pPr algn="ctr"/>
+                      <a:r>
+                        <a:rPr lang="en-US"/>
+                        <a:t>string</a:t>
+                      </a:r>
+                    </a:p>
+                  </a:txBody>
+                  <a:tcPr/>
+                </a:tc>
+                <a:tc>
+                  <a:txBody>
+                    <a:bodyPr/>
+                    <a:lstStyle/>
+                    <a:p>
+                      <a:pPr algn="ctr"/>
+                      <a:r>
+                        <a:rPr lang="zh-CN" altLang="en-US" sz="1400"/>
+                        <a:t>登陆用账号</a:t>
+                      </a:r>
+                      <a:endParaRPr lang="en-US" sz="1400"/>
+                    </a:p>
+                  </a:txBody>
+                  <a:tcPr/>
+                </a:tc>
+                <a:extLst>
+                  <a:ext uri="{0D108BD9-81ED-4DB2-BD59-A6C34878D82A}">
+                    <a16:rowId xmlns:a16="http://schemas.microsoft.com/office/drawing/2014/main" val="2403701642"/>
+                  </a:ext>
+                </a:extLst>
+              </a:tr>
+              <a:tr h="370840">
+                <a:tc>
+                  <a:txBody>
+                    <a:bodyPr/>
+                    <a:lstStyle/>
+                    <a:p>
+                      <a:pPr algn="ctr"/>
+                      <a:r>
+                        <a:rPr lang="en-US" altLang="zh-CN"/>
+                        <a:t>pwd</a:t>
+                      </a:r>
+                      <a:endParaRPr lang="en-US"/>
+                    </a:p>
+                  </a:txBody>
+                  <a:tcPr/>
+                </a:tc>
+                <a:tc>
+                  <a:txBody>
+                    <a:bodyPr/>
+                    <a:lstStyle/>
+                    <a:p>
+                      <a:pPr algn="ctr"/>
+                      <a:r>
+                        <a:rPr lang="en-US" altLang="zh-CN"/>
+                        <a:t>String&lt;md5(pwd)&gt;</a:t>
+                      </a:r>
+                      <a:endParaRPr lang="en-US"/>
+                    </a:p>
+                  </a:txBody>
+                  <a:tcPr/>
+                </a:tc>
+                <a:tc>
+                  <a:txBody>
+                    <a:bodyPr/>
+                    <a:lstStyle/>
+                    <a:p>
+                      <a:pPr algn="ctr"/>
+                      <a:r>
+                        <a:rPr lang="zh-CN" altLang="en-US" sz="1400"/>
+                        <a:t>登陆用密码</a:t>
+                      </a:r>
+                      <a:endParaRPr lang="en-US" sz="1400"/>
+                    </a:p>
+                  </a:txBody>
+                  <a:tcPr/>
+                </a:tc>
+                <a:extLst>
+                  <a:ext uri="{0D108BD9-81ED-4DB2-BD59-A6C34878D82A}">
+                    <a16:rowId xmlns:a16="http://schemas.microsoft.com/office/drawing/2014/main" val="4183579484"/>
+                  </a:ext>
+                </a:extLst>
+              </a:tr>
             </a:tbl>
           </a:graphicData>
         </a:graphic>
@@ -4658,13 +4760,13 @@
           <p:nvPr>
             <p:extLst>
               <p:ext uri="{D42A27DB-BD31-4B8C-83A1-F6EECF244321}">
-                <p14:modId xmlns:p14="http://schemas.microsoft.com/office/powerpoint/2010/main" val="3064466993"/>
+                <p14:modId xmlns:p14="http://schemas.microsoft.com/office/powerpoint/2010/main" val="3501187158"/>
               </p:ext>
             </p:extLst>
           </p:nvPr>
         </p:nvGraphicFramePr>
         <p:xfrm>
-          <a:off x="277091" y="2041129"/>
+          <a:off x="277091" y="2598143"/>
           <a:ext cx="8127999" cy="1112520"/>
         </p:xfrm>
         <a:graphic>
@@ -4872,7 +4974,7 @@
         </p:nvSpPr>
         <p:spPr>
           <a:xfrm>
-            <a:off x="273500" y="1666518"/>
+            <a:off x="273500" y="2223532"/>
             <a:ext cx="3502369" cy="369332"/>
           </a:xfrm>
           <a:prstGeom prst="rect">
@@ -4921,14 +5023,14 @@
           <p:nvPr>
             <p:extLst>
               <p:ext uri="{D42A27DB-BD31-4B8C-83A1-F6EECF244321}">
-                <p14:modId xmlns:p14="http://schemas.microsoft.com/office/powerpoint/2010/main" val="4284449234"/>
+                <p14:modId xmlns:p14="http://schemas.microsoft.com/office/powerpoint/2010/main" val="856403222"/>
               </p:ext>
             </p:extLst>
           </p:nvPr>
         </p:nvGraphicFramePr>
         <p:xfrm>
-          <a:off x="277091" y="3522981"/>
-          <a:ext cx="8127999" cy="2509520"/>
+          <a:off x="277091" y="4079995"/>
+          <a:ext cx="8127999" cy="2143760"/>
         </p:xfrm>
         <a:graphic>
           <a:graphicData uri="http://schemas.openxmlformats.org/drawingml/2006/table">
@@ -5019,8 +5121,8 @@
                     <a:p>
                       <a:pPr algn="ctr"/>
                       <a:r>
-                        <a:rPr lang="en-US" altLang="zh-CN" err="1"/>
-                        <a:t>eid</a:t>
+                        <a:rPr lang="en-US" altLang="zh-CN"/>
+                        <a:t>name</a:t>
                       </a:r>
                       <a:endParaRPr lang="en-US"/>
                     </a:p>
@@ -5123,52 +5225,6 @@
                 <a:extLst>
                   <a:ext uri="{0D108BD9-81ED-4DB2-BD59-A6C34878D82A}">
                     <a16:rowId xmlns:a16="http://schemas.microsoft.com/office/drawing/2014/main" val="2238520760"/>
-                  </a:ext>
-                </a:extLst>
-              </a:tr>
-              <a:tr h="0">
-                <a:tc>
-                  <a:txBody>
-                    <a:bodyPr/>
-                    <a:lstStyle/>
-                    <a:p>
-                      <a:pPr algn="ctr"/>
-                      <a:r>
-                        <a:rPr lang="en-US"/>
-                        <a:t>phone</a:t>
-                      </a:r>
-                    </a:p>
-                  </a:txBody>
-                  <a:tcPr/>
-                </a:tc>
-                <a:tc>
-                  <a:txBody>
-                    <a:bodyPr/>
-                    <a:lstStyle/>
-                    <a:p>
-                      <a:pPr algn="ctr"/>
-                      <a:r>
-                        <a:rPr lang="en-US"/>
-                        <a:t>String</a:t>
-                      </a:r>
-                    </a:p>
-                  </a:txBody>
-                  <a:tcPr/>
-                </a:tc>
-                <a:tc>
-                  <a:txBody>
-                    <a:bodyPr/>
-                    <a:lstStyle/>
-                    <a:p>
-                      <a:pPr algn="ctr"/>
-                      <a:endParaRPr lang="en-US" sz="1400"/>
-                    </a:p>
-                  </a:txBody>
-                  <a:tcPr/>
-                </a:tc>
-                <a:extLst>
-                  <a:ext uri="{0D108BD9-81ED-4DB2-BD59-A6C34878D82A}">
-                    <a16:rowId xmlns:a16="http://schemas.microsoft.com/office/drawing/2014/main" val="3282661856"/>
                   </a:ext>
                 </a:extLst>
               </a:tr>
@@ -5370,7 +5426,7 @@
         </p:nvSpPr>
         <p:spPr>
           <a:xfrm>
-            <a:off x="273500" y="3153649"/>
+            <a:off x="273500" y="3710663"/>
             <a:ext cx="1747594" cy="369332"/>
           </a:xfrm>
           <a:prstGeom prst="rect">
@@ -5449,7 +5505,7 @@
           <p:nvPr>
             <p:extLst>
               <p:ext uri="{D42A27DB-BD31-4B8C-83A1-F6EECF244321}">
-                <p14:modId xmlns:p14="http://schemas.microsoft.com/office/powerpoint/2010/main" val="1024219619"/>
+                <p14:modId xmlns:p14="http://schemas.microsoft.com/office/powerpoint/2010/main" val="2657519871"/>
               </p:ext>
             </p:extLst>
           </p:nvPr>
@@ -5862,7 +5918,7 @@
                       <a:pPr algn="ctr"/>
                       <a:r>
                         <a:rPr lang="en-US"/>
-                        <a:t>roles</a:t>
+                        <a:t>role</a:t>
                       </a:r>
                     </a:p>
                   </a:txBody>
@@ -6798,7 +6854,7 @@
             </a:r>
             <a:r>
               <a:rPr lang="en-US" altLang="zh-CN" sz="1000"/>
-              <a:t>{code:entry_event,name:’’,desc:’’,icon:’’,verifiers:[],roles:[]}</a:t>
+              <a:t>{code:entry_event,name:’’,desc:’’,icon:’’,verifiers:[],role:[]}</a:t>
             </a:r>
             <a:r>
               <a:rPr lang="zh-CN" altLang="en-US" sz="1000"/>
@@ -18561,7 +18617,7 @@
         </p:nvSpPr>
         <p:spPr>
           <a:xfrm>
-            <a:off x="4141212" y="5585701"/>
+            <a:off x="4141212" y="5576274"/>
             <a:ext cx="184731" cy="246221"/>
           </a:xfrm>
           <a:prstGeom prst="rect">
@@ -18592,7 +18648,7 @@
         </p:nvSpPr>
         <p:spPr>
           <a:xfrm>
-            <a:off x="4025827" y="5593395"/>
+            <a:off x="4017080" y="5610811"/>
             <a:ext cx="415499" cy="230832"/>
           </a:xfrm>
           <a:prstGeom prst="rect">
